--- a/CHATBOT_DEPLOYMENT_PHASE1.pptx
+++ b/CHATBOT_DEPLOYMENT_PHASE1.pptx
@@ -202,7 +202,7 @@
             <a:fld id="{F4CC4258-62FA-44AC-A784-097B825DB96E}" type="datetimeFigureOut">
               <a:rPr lang="en-US" smtClean="0"/>
               <a:pPr/>
-              <a:t>11/23/2023</a:t>
+              <a:t>10/4/2023</a:t>
             </a:fld>
             <a:endParaRPr lang="en-US"/>
           </a:p>
@@ -650,7 +650,7 @@
             <a:fld id="{ABE6780A-2A78-4440-A1F6-FCEB2FFB9D73}" type="datetimeFigureOut">
               <a:rPr lang="en-US" smtClean="0"/>
               <a:pPr/>
-              <a:t>11/23/2023</a:t>
+              <a:t>10/4/2023</a:t>
             </a:fld>
             <a:endParaRPr lang="en-US"/>
           </a:p>
@@ -817,7 +817,7 @@
             <a:fld id="{ABE6780A-2A78-4440-A1F6-FCEB2FFB9D73}" type="datetimeFigureOut">
               <a:rPr lang="en-US" smtClean="0"/>
               <a:pPr/>
-              <a:t>11/23/2023</a:t>
+              <a:t>10/4/2023</a:t>
             </a:fld>
             <a:endParaRPr lang="en-US"/>
           </a:p>
@@ -994,7 +994,7 @@
             <a:fld id="{ABE6780A-2A78-4440-A1F6-FCEB2FFB9D73}" type="datetimeFigureOut">
               <a:rPr lang="en-US" smtClean="0"/>
               <a:pPr/>
-              <a:t>11/23/2023</a:t>
+              <a:t>10/4/2023</a:t>
             </a:fld>
             <a:endParaRPr lang="en-US"/>
           </a:p>
@@ -1161,7 +1161,7 @@
             <a:fld id="{ABE6780A-2A78-4440-A1F6-FCEB2FFB9D73}" type="datetimeFigureOut">
               <a:rPr lang="en-US" smtClean="0"/>
               <a:pPr/>
-              <a:t>11/23/2023</a:t>
+              <a:t>10/4/2023</a:t>
             </a:fld>
             <a:endParaRPr lang="en-US"/>
           </a:p>
@@ -1404,7 +1404,7 @@
             <a:fld id="{ABE6780A-2A78-4440-A1F6-FCEB2FFB9D73}" type="datetimeFigureOut">
               <a:rPr lang="en-US" smtClean="0"/>
               <a:pPr/>
-              <a:t>11/23/2023</a:t>
+              <a:t>10/4/2023</a:t>
             </a:fld>
             <a:endParaRPr lang="en-US"/>
           </a:p>
@@ -1689,7 +1689,7 @@
             <a:fld id="{ABE6780A-2A78-4440-A1F6-FCEB2FFB9D73}" type="datetimeFigureOut">
               <a:rPr lang="en-US" smtClean="0"/>
               <a:pPr/>
-              <a:t>11/23/2023</a:t>
+              <a:t>10/4/2023</a:t>
             </a:fld>
             <a:endParaRPr lang="en-US"/>
           </a:p>
@@ -2108,7 +2108,7 @@
             <a:fld id="{ABE6780A-2A78-4440-A1F6-FCEB2FFB9D73}" type="datetimeFigureOut">
               <a:rPr lang="en-US" smtClean="0"/>
               <a:pPr/>
-              <a:t>11/23/2023</a:t>
+              <a:t>10/4/2023</a:t>
             </a:fld>
             <a:endParaRPr lang="en-US"/>
           </a:p>
@@ -2223,7 +2223,7 @@
             <a:fld id="{ABE6780A-2A78-4440-A1F6-FCEB2FFB9D73}" type="datetimeFigureOut">
               <a:rPr lang="en-US" smtClean="0"/>
               <a:pPr/>
-              <a:t>11/23/2023</a:t>
+              <a:t>10/4/2023</a:t>
             </a:fld>
             <a:endParaRPr lang="en-US"/>
           </a:p>
@@ -2315,7 +2315,7 @@
             <a:fld id="{ABE6780A-2A78-4440-A1F6-FCEB2FFB9D73}" type="datetimeFigureOut">
               <a:rPr lang="en-US" smtClean="0"/>
               <a:pPr/>
-              <a:t>11/23/2023</a:t>
+              <a:t>10/4/2023</a:t>
             </a:fld>
             <a:endParaRPr lang="en-US"/>
           </a:p>
@@ -2589,7 +2589,7 @@
             <a:fld id="{ABE6780A-2A78-4440-A1F6-FCEB2FFB9D73}" type="datetimeFigureOut">
               <a:rPr lang="en-US" smtClean="0"/>
               <a:pPr/>
-              <a:t>11/23/2023</a:t>
+              <a:t>10/4/2023</a:t>
             </a:fld>
             <a:endParaRPr lang="en-US"/>
           </a:p>
@@ -2839,7 +2839,7 @@
             <a:fld id="{ABE6780A-2A78-4440-A1F6-FCEB2FFB9D73}" type="datetimeFigureOut">
               <a:rPr lang="en-US" smtClean="0"/>
               <a:pPr/>
-              <a:t>11/23/2023</a:t>
+              <a:t>10/4/2023</a:t>
             </a:fld>
             <a:endParaRPr lang="en-US"/>
           </a:p>
@@ -3049,7 +3049,7 @@
             <a:fld id="{ABE6780A-2A78-4440-A1F6-FCEB2FFB9D73}" type="datetimeFigureOut">
               <a:rPr lang="en-US" smtClean="0"/>
               <a:pPr/>
-              <a:t>11/23/2023</a:t>
+              <a:t>10/4/2023</a:t>
             </a:fld>
             <a:endParaRPr lang="en-US"/>
           </a:p>
@@ -3456,11 +3456,53 @@
         <p:spPr/>
         <p:txBody>
           <a:bodyPr>
-            <a:normAutofit fontScale="92500"/>
+            <a:normAutofit fontScale="92500" lnSpcReduction="20000"/>
           </a:bodyPr>
           <a:lstStyle/>
           <a:p>
-            <a:endParaRPr lang="en-US" sz="2800" b="1" dirty="0" smtClean="0">
+            <a:r>
+              <a:rPr lang="en-US" sz="2800" b="1" dirty="0" smtClean="0">
+                <a:solidFill>
+                  <a:schemeClr val="tx1"/>
+                </a:solidFill>
+              </a:rPr>
+              <a:t>Submitted By</a:t>
+            </a:r>
+            <a:r>
+              <a:rPr lang="en-US" sz="2800" b="1" dirty="0" smtClean="0">
+                <a:solidFill>
+                  <a:schemeClr val="tx1"/>
+                </a:solidFill>
+              </a:rPr>
+              <a:t>:</a:t>
+            </a:r>
+          </a:p>
+          <a:p>
+            <a:r>
+              <a:rPr lang="en-US" sz="2800" dirty="0" smtClean="0">
+                <a:solidFill>
+                  <a:schemeClr val="tx1"/>
+                </a:solidFill>
+              </a:rPr>
+              <a:t>                                      </a:t>
+            </a:r>
+            <a:r>
+              <a:rPr lang="en-US" sz="2800" dirty="0" err="1" smtClean="0">
+                <a:solidFill>
+                  <a:schemeClr val="tx1"/>
+                </a:solidFill>
+              </a:rPr>
+              <a:t>Vijayakumar</a:t>
+            </a:r>
+            <a:r>
+              <a:rPr lang="en-US" sz="2800" dirty="0" smtClean="0">
+                <a:solidFill>
+                  <a:schemeClr val="tx1"/>
+                </a:solidFill>
+              </a:rPr>
+              <a:t> E</a:t>
+            </a:r>
+            <a:endParaRPr lang="en-US" sz="2800" dirty="0" smtClean="0">
               <a:solidFill>
                 <a:schemeClr val="tx1"/>
               </a:solidFill>
@@ -3491,7 +3533,23 @@
                   <a:schemeClr val="tx1"/>
                 </a:solidFill>
               </a:rPr>
-              <a:t>Anna University  college of Engineering  </a:t>
+              <a:t>Anna </a:t>
+            </a:r>
+            <a:r>
+              <a:rPr lang="en-US" sz="2400" dirty="0" smtClean="0">
+                <a:solidFill>
+                  <a:schemeClr val="tx1"/>
+                </a:solidFill>
+              </a:rPr>
+              <a:t>University  colleg</a:t>
+            </a:r>
+            <a:r>
+              <a:rPr lang="en-US" sz="2400" dirty="0" smtClean="0">
+                <a:solidFill>
+                  <a:schemeClr val="tx1"/>
+                </a:solidFill>
+              </a:rPr>
+              <a:t>e of Engineering  </a:t>
             </a:r>
             <a:r>
               <a:rPr lang="en-US" sz="2400" dirty="0" err="1" smtClean="0">
